--- a/PUPPYHOUSE 애플리케이션 설계.pptx
+++ b/PUPPYHOUSE 애플리케이션 설계.pptx
@@ -223,7 +223,7 @@
             <a:pPr lvl="0"/>
             <a:fld id="{581FA150-F7C8-4462-BF3E-DB83E0EBA7BD}" type="datetime1">
               <a:rPr lang="ko-KR" altLang="en-US" smtClean="0"/>
-              <a:t>2023-01-06</a:t>
+              <a:t>2023-03-14</a:t>
             </a:fld>
             <a:endParaRPr lang="ko-KR" altLang="en-US"/>
           </a:p>
@@ -1685,7 +1685,7 @@
           <a:p>
             <a:fld id="{CE2EF64E-1B8A-4574-B5C3-5DD3BFB8FDE5}" type="datetimeFigureOut">
               <a:rPr lang="ko-KR" altLang="en-US" smtClean="0"/>
-              <a:t>2023-01-06</a:t>
+              <a:t>2023-03-14</a:t>
             </a:fld>
             <a:endParaRPr lang="ko-KR" altLang="en-US"/>
           </a:p>
@@ -1883,7 +1883,7 @@
           <a:p>
             <a:fld id="{CE2EF64E-1B8A-4574-B5C3-5DD3BFB8FDE5}" type="datetimeFigureOut">
               <a:rPr lang="ko-KR" altLang="en-US" smtClean="0"/>
-              <a:t>2023-01-06</a:t>
+              <a:t>2023-03-14</a:t>
             </a:fld>
             <a:endParaRPr lang="ko-KR" altLang="en-US"/>
           </a:p>
@@ -2091,7 +2091,7 @@
           <a:p>
             <a:fld id="{CE2EF64E-1B8A-4574-B5C3-5DD3BFB8FDE5}" type="datetimeFigureOut">
               <a:rPr lang="ko-KR" altLang="en-US" smtClean="0"/>
-              <a:t>2023-01-06</a:t>
+              <a:t>2023-03-14</a:t>
             </a:fld>
             <a:endParaRPr lang="ko-KR" altLang="en-US"/>
           </a:p>
@@ -2289,7 +2289,7 @@
           <a:p>
             <a:fld id="{CE2EF64E-1B8A-4574-B5C3-5DD3BFB8FDE5}" type="datetimeFigureOut">
               <a:rPr lang="ko-KR" altLang="en-US" smtClean="0"/>
-              <a:t>2023-01-06</a:t>
+              <a:t>2023-03-14</a:t>
             </a:fld>
             <a:endParaRPr lang="ko-KR" altLang="en-US"/>
           </a:p>
@@ -2564,7 +2564,7 @@
           <a:p>
             <a:fld id="{CE2EF64E-1B8A-4574-B5C3-5DD3BFB8FDE5}" type="datetimeFigureOut">
               <a:rPr lang="ko-KR" altLang="en-US" smtClean="0"/>
-              <a:t>2023-01-06</a:t>
+              <a:t>2023-03-14</a:t>
             </a:fld>
             <a:endParaRPr lang="ko-KR" altLang="en-US"/>
           </a:p>
@@ -2829,7 +2829,7 @@
           <a:p>
             <a:fld id="{CE2EF64E-1B8A-4574-B5C3-5DD3BFB8FDE5}" type="datetimeFigureOut">
               <a:rPr lang="ko-KR" altLang="en-US" smtClean="0"/>
-              <a:t>2023-01-06</a:t>
+              <a:t>2023-03-14</a:t>
             </a:fld>
             <a:endParaRPr lang="ko-KR" altLang="en-US"/>
           </a:p>
@@ -3241,7 +3241,7 @@
           <a:p>
             <a:fld id="{CE2EF64E-1B8A-4574-B5C3-5DD3BFB8FDE5}" type="datetimeFigureOut">
               <a:rPr lang="ko-KR" altLang="en-US" smtClean="0"/>
-              <a:t>2023-01-06</a:t>
+              <a:t>2023-03-14</a:t>
             </a:fld>
             <a:endParaRPr lang="ko-KR" altLang="en-US"/>
           </a:p>
@@ -3382,7 +3382,7 @@
           <a:p>
             <a:fld id="{CE2EF64E-1B8A-4574-B5C3-5DD3BFB8FDE5}" type="datetimeFigureOut">
               <a:rPr lang="ko-KR" altLang="en-US" smtClean="0"/>
-              <a:t>2023-01-06</a:t>
+              <a:t>2023-03-14</a:t>
             </a:fld>
             <a:endParaRPr lang="ko-KR" altLang="en-US"/>
           </a:p>
@@ -3495,7 +3495,7 @@
           <a:p>
             <a:fld id="{CE2EF64E-1B8A-4574-B5C3-5DD3BFB8FDE5}" type="datetimeFigureOut">
               <a:rPr lang="ko-KR" altLang="en-US" smtClean="0"/>
-              <a:t>2023-01-06</a:t>
+              <a:t>2023-03-14</a:t>
             </a:fld>
             <a:endParaRPr lang="ko-KR" altLang="en-US"/>
           </a:p>
@@ -3806,7 +3806,7 @@
           <a:p>
             <a:fld id="{CE2EF64E-1B8A-4574-B5C3-5DD3BFB8FDE5}" type="datetimeFigureOut">
               <a:rPr lang="ko-KR" altLang="en-US" smtClean="0"/>
-              <a:t>2023-01-06</a:t>
+              <a:t>2023-03-14</a:t>
             </a:fld>
             <a:endParaRPr lang="ko-KR" altLang="en-US"/>
           </a:p>
@@ -4094,7 +4094,7 @@
           <a:p>
             <a:fld id="{CE2EF64E-1B8A-4574-B5C3-5DD3BFB8FDE5}" type="datetimeFigureOut">
               <a:rPr lang="ko-KR" altLang="en-US" smtClean="0"/>
-              <a:t>2023-01-06</a:t>
+              <a:t>2023-03-14</a:t>
             </a:fld>
             <a:endParaRPr lang="ko-KR" altLang="en-US"/>
           </a:p>
@@ -4335,7 +4335,7 @@
           <a:p>
             <a:fld id="{CE2EF64E-1B8A-4574-B5C3-5DD3BFB8FDE5}" type="datetimeFigureOut">
               <a:rPr lang="ko-KR" altLang="en-US" smtClean="0"/>
-              <a:t>2023-01-06</a:t>
+              <a:t>2023-03-14</a:t>
             </a:fld>
             <a:endParaRPr lang="ko-KR" altLang="en-US"/>
           </a:p>
@@ -4767,7 +4767,7 @@
         <p:spPr>
           <a:xfrm>
             <a:off x="2284808" y="1826925"/>
-            <a:ext cx="7622382" cy="1138773"/>
+            <a:ext cx="7622382" cy="830997"/>
           </a:xfrm>
           <a:prstGeom prst="rect">
             <a:avLst/>
@@ -4779,49 +4779,6 @@
             <a:spAutoFit/>
           </a:bodyPr>
           <a:lstStyle/>
-          <a:p>
-            <a:pPr algn="ctr"/>
-            <a:r>
-              <a:rPr lang="en-US" altLang="ko-KR" sz="2000" b="1" spc="300" dirty="0">
-                <a:solidFill>
-                  <a:schemeClr val="bg2">
-                    <a:lumMod val="50000"/>
-                  </a:schemeClr>
-                </a:solidFill>
-                <a:latin typeface="+mn-ea"/>
-                <a:cs typeface="함초롬바탕" panose="02030604000101010101" pitchFamily="18" charset="-127"/>
-              </a:rPr>
-              <a:t>1</a:t>
-            </a:r>
-            <a:r>
-              <a:rPr lang="ko-KR" altLang="en-US" sz="2000" b="1" spc="300" dirty="0">
-                <a:solidFill>
-                  <a:schemeClr val="bg2">
-                    <a:lumMod val="50000"/>
-                  </a:schemeClr>
-                </a:solidFill>
-                <a:latin typeface="+mn-ea"/>
-                <a:cs typeface="함초롬바탕" panose="02030604000101010101" pitchFamily="18" charset="-127"/>
-              </a:rPr>
-              <a:t>조 </a:t>
-            </a:r>
-            <a:r>
-              <a:rPr lang="ko-KR" altLang="en-US" sz="2000" b="1" spc="300" dirty="0" err="1">
-                <a:solidFill>
-                  <a:schemeClr val="bg2">
-                    <a:lumMod val="50000"/>
-                  </a:schemeClr>
-                </a:solidFill>
-                <a:latin typeface="+mn-ea"/>
-                <a:cs typeface="함초롬바탕" panose="02030604000101010101" pitchFamily="18" charset="-127"/>
-              </a:rPr>
-              <a:t>아이솔루션</a:t>
-            </a:r>
-            <a:endParaRPr lang="en-US" altLang="ko-KR" sz="2000" b="1" spc="300" dirty="0">
-              <a:latin typeface="+mn-ea"/>
-              <a:cs typeface="함초롬바탕" panose="02030604000101010101" pitchFamily="18" charset="-127"/>
-            </a:endParaRPr>
-          </a:p>
           <a:p>
             <a:pPr algn="ctr"/>
             <a:r>
@@ -4928,155 +4885,6 @@
       </p:pic>
       <p:sp>
         <p:nvSpPr>
-          <p:cNvPr id="6" name="TextBox 5">
-            <a:extLst>
-              <a:ext uri="{FF2B5EF4-FFF2-40B4-BE49-F238E27FC236}">
-                <a16:creationId xmlns:a16="http://schemas.microsoft.com/office/drawing/2014/main" id="{CE045BCD-BE25-48D1-9064-F17CF515BC52}"/>
-              </a:ext>
-            </a:extLst>
-          </p:cNvPr>
-          <p:cNvSpPr txBox="1"/>
-          <p:nvPr/>
-        </p:nvSpPr>
-        <p:spPr>
-          <a:xfrm>
-            <a:off x="4404402" y="5676428"/>
-            <a:ext cx="3383194" cy="338554"/>
-          </a:xfrm>
-          <a:prstGeom prst="rect">
-            <a:avLst/>
-          </a:prstGeom>
-          <a:noFill/>
-        </p:spPr>
-        <p:txBody>
-          <a:bodyPr wrap="square" rtlCol="0">
-            <a:spAutoFit/>
-          </a:bodyPr>
-          <a:lstStyle/>
-          <a:p>
-            <a:pPr algn="ctr"/>
-            <a:r>
-              <a:rPr lang="ko-KR" altLang="en-US" sz="1600" b="1" spc="-150" dirty="0">
-                <a:solidFill>
-                  <a:schemeClr val="tx1">
-                    <a:lumMod val="65000"/>
-                    <a:lumOff val="35000"/>
-                  </a:schemeClr>
-                </a:solidFill>
-                <a:latin typeface="+mn-ea"/>
-                <a:cs typeface="함초롬바탕" panose="02030604000101010101" pitchFamily="18" charset="-127"/>
-              </a:rPr>
-              <a:t>조원</a:t>
-            </a:r>
-            <a:r>
-              <a:rPr lang="en-US" altLang="ko-KR" sz="1600" b="1" spc="-150" dirty="0">
-                <a:solidFill>
-                  <a:schemeClr val="tx1">
-                    <a:lumMod val="65000"/>
-                    <a:lumOff val="35000"/>
-                  </a:schemeClr>
-                </a:solidFill>
-                <a:latin typeface="+mn-ea"/>
-                <a:cs typeface="함초롬바탕" panose="02030604000101010101" pitchFamily="18" charset="-127"/>
-              </a:rPr>
-              <a:t>: </a:t>
-            </a:r>
-            <a:r>
-              <a:rPr lang="ko-KR" altLang="en-US" sz="1600" b="1" spc="-150" dirty="0">
-                <a:solidFill>
-                  <a:schemeClr val="tx1">
-                    <a:lumMod val="65000"/>
-                    <a:lumOff val="35000"/>
-                  </a:schemeClr>
-                </a:solidFill>
-                <a:latin typeface="+mn-ea"/>
-                <a:cs typeface="함초롬바탕" panose="02030604000101010101" pitchFamily="18" charset="-127"/>
-              </a:rPr>
-              <a:t>김민성</a:t>
-            </a:r>
-            <a:r>
-              <a:rPr lang="en-US" altLang="ko-KR" sz="1600" b="1" spc="-150" dirty="0">
-                <a:solidFill>
-                  <a:schemeClr val="tx1">
-                    <a:lumMod val="65000"/>
-                    <a:lumOff val="35000"/>
-                  </a:schemeClr>
-                </a:solidFill>
-                <a:latin typeface="+mn-ea"/>
-                <a:cs typeface="함초롬바탕" panose="02030604000101010101" pitchFamily="18" charset="-127"/>
-              </a:rPr>
-              <a:t>, </a:t>
-            </a:r>
-            <a:r>
-              <a:rPr lang="ko-KR" altLang="en-US" sz="1600" b="1" spc="-150" dirty="0" err="1">
-                <a:solidFill>
-                  <a:schemeClr val="tx1">
-                    <a:lumMod val="65000"/>
-                    <a:lumOff val="35000"/>
-                  </a:schemeClr>
-                </a:solidFill>
-                <a:latin typeface="+mn-ea"/>
-                <a:cs typeface="함초롬바탕" panose="02030604000101010101" pitchFamily="18" charset="-127"/>
-              </a:rPr>
-              <a:t>윤상하</a:t>
-            </a:r>
-            <a:r>
-              <a:rPr lang="en-US" altLang="ko-KR" sz="1600" b="1" spc="-150" dirty="0">
-                <a:solidFill>
-                  <a:schemeClr val="tx1">
-                    <a:lumMod val="65000"/>
-                    <a:lumOff val="35000"/>
-                  </a:schemeClr>
-                </a:solidFill>
-                <a:latin typeface="+mn-ea"/>
-                <a:cs typeface="함초롬바탕" panose="02030604000101010101" pitchFamily="18" charset="-127"/>
-              </a:rPr>
-              <a:t>, </a:t>
-            </a:r>
-            <a:r>
-              <a:rPr lang="ko-KR" altLang="en-US" sz="1600" b="1" spc="-150" dirty="0">
-                <a:solidFill>
-                  <a:schemeClr val="tx1">
-                    <a:lumMod val="65000"/>
-                    <a:lumOff val="35000"/>
-                  </a:schemeClr>
-                </a:solidFill>
-                <a:latin typeface="+mn-ea"/>
-                <a:cs typeface="함초롬바탕" panose="02030604000101010101" pitchFamily="18" charset="-127"/>
-              </a:rPr>
-              <a:t>이혜정</a:t>
-            </a:r>
-            <a:r>
-              <a:rPr lang="en-US" altLang="ko-KR" sz="1600" b="1" spc="-150" dirty="0">
-                <a:solidFill>
-                  <a:schemeClr val="tx1">
-                    <a:lumMod val="65000"/>
-                    <a:lumOff val="35000"/>
-                  </a:schemeClr>
-                </a:solidFill>
-                <a:latin typeface="+mn-ea"/>
-                <a:cs typeface="함초롬바탕" panose="02030604000101010101" pitchFamily="18" charset="-127"/>
-              </a:rPr>
-              <a:t>, </a:t>
-            </a:r>
-            <a:r>
-              <a:rPr lang="ko-KR" altLang="en-US" sz="1600" b="1" spc="-150" dirty="0">
-                <a:solidFill>
-                  <a:schemeClr val="tx1">
-                    <a:lumMod val="65000"/>
-                    <a:lumOff val="35000"/>
-                  </a:schemeClr>
-                </a:solidFill>
-                <a:latin typeface="+mn-ea"/>
-                <a:cs typeface="함초롬바탕" panose="02030604000101010101" pitchFamily="18" charset="-127"/>
-              </a:rPr>
-              <a:t>최지현</a:t>
-            </a:r>
-          </a:p>
-        </p:txBody>
-      </p:sp>
-      <p:sp>
-        <p:nvSpPr>
           <p:cNvPr id="3" name="직사각형 2"/>
           <p:cNvSpPr/>
           <p:nvPr/>
@@ -5128,7 +4936,7 @@
     <mc:Choice Requires="p14">
       <p:transition/>
     </mc:Choice>
-    <mc:Fallback xmlns:dsp="http://schemas.microsoft.com/office/drawing/2008/diagram" xmlns:dgm="http://schemas.openxmlformats.org/drawingml/2006/diagram" xmlns:c="http://schemas.openxmlformats.org/drawingml/2006/chart" xmlns="">
+    <mc:Fallback xmlns="" xmlns:c="http://schemas.openxmlformats.org/drawingml/2006/chart" xmlns:dgm="http://schemas.openxmlformats.org/drawingml/2006/diagram" xmlns:dsp="http://schemas.microsoft.com/office/drawing/2008/diagram">
       <p:transition/>
     </mc:Fallback>
   </mc:AlternateContent>
@@ -6009,7 +5817,7 @@
     <mc:Choice Requires="p14">
       <p:transition/>
     </mc:Choice>
-    <mc:Fallback xmlns:dsp="http://schemas.microsoft.com/office/drawing/2008/diagram" xmlns:dgm="http://schemas.openxmlformats.org/drawingml/2006/diagram" xmlns:c="http://schemas.openxmlformats.org/drawingml/2006/chart" xmlns="">
+    <mc:Fallback xmlns="" xmlns:c="http://schemas.openxmlformats.org/drawingml/2006/chart" xmlns:dgm="http://schemas.openxmlformats.org/drawingml/2006/diagram" xmlns:dsp="http://schemas.microsoft.com/office/drawing/2008/diagram">
       <p:transition/>
     </mc:Fallback>
   </mc:AlternateContent>
@@ -7167,7 +6975,7 @@
     <mc:Choice Requires="p14">
       <p:transition/>
     </mc:Choice>
-    <mc:Fallback xmlns:dsp="http://schemas.microsoft.com/office/drawing/2008/diagram" xmlns:dgm="http://schemas.openxmlformats.org/drawingml/2006/diagram" xmlns:c="http://schemas.openxmlformats.org/drawingml/2006/chart" xmlns="">
+    <mc:Fallback xmlns="" xmlns:c="http://schemas.openxmlformats.org/drawingml/2006/chart" xmlns:dgm="http://schemas.openxmlformats.org/drawingml/2006/diagram" xmlns:dsp="http://schemas.microsoft.com/office/drawing/2008/diagram">
       <p:transition/>
     </mc:Fallback>
   </mc:AlternateContent>
@@ -8570,7 +8378,7 @@
     <mc:Choice Requires="p14">
       <p:transition/>
     </mc:Choice>
-    <mc:Fallback xmlns:dsp="http://schemas.microsoft.com/office/drawing/2008/diagram" xmlns:dgm="http://schemas.openxmlformats.org/drawingml/2006/diagram" xmlns:c="http://schemas.openxmlformats.org/drawingml/2006/chart" xmlns="">
+    <mc:Fallback xmlns="" xmlns:c="http://schemas.openxmlformats.org/drawingml/2006/chart" xmlns:dgm="http://schemas.openxmlformats.org/drawingml/2006/diagram" xmlns:dsp="http://schemas.microsoft.com/office/drawing/2008/diagram">
       <p:transition/>
     </mc:Fallback>
   </mc:AlternateContent>
@@ -10003,7 +9811,7 @@
     <mc:Choice Requires="p14">
       <p:transition/>
     </mc:Choice>
-    <mc:Fallback xmlns:dsp="http://schemas.microsoft.com/office/drawing/2008/diagram" xmlns:dgm="http://schemas.openxmlformats.org/drawingml/2006/diagram" xmlns:c="http://schemas.openxmlformats.org/drawingml/2006/chart" xmlns="">
+    <mc:Fallback xmlns="" xmlns:c="http://schemas.openxmlformats.org/drawingml/2006/chart" xmlns:dgm="http://schemas.openxmlformats.org/drawingml/2006/diagram" xmlns:dsp="http://schemas.microsoft.com/office/drawing/2008/diagram">
       <p:transition/>
     </mc:Fallback>
   </mc:AlternateContent>
@@ -10928,7 +10736,7 @@
     <mc:Choice Requires="p14">
       <p:transition/>
     </mc:Choice>
-    <mc:Fallback xmlns:dsp="http://schemas.microsoft.com/office/drawing/2008/diagram" xmlns:dgm="http://schemas.openxmlformats.org/drawingml/2006/diagram" xmlns:c="http://schemas.openxmlformats.org/drawingml/2006/chart" xmlns="">
+    <mc:Fallback xmlns="" xmlns:c="http://schemas.openxmlformats.org/drawingml/2006/chart" xmlns:dgm="http://schemas.openxmlformats.org/drawingml/2006/diagram" xmlns:dsp="http://schemas.microsoft.com/office/drawing/2008/diagram">
       <p:transition/>
     </mc:Fallback>
   </mc:AlternateContent>
@@ -12658,7 +12466,7 @@
     <mc:Choice Requires="p14">
       <p:transition/>
     </mc:Choice>
-    <mc:Fallback xmlns:dsp="http://schemas.microsoft.com/office/drawing/2008/diagram" xmlns:dgm="http://schemas.openxmlformats.org/drawingml/2006/diagram" xmlns:c="http://schemas.openxmlformats.org/drawingml/2006/chart" xmlns="">
+    <mc:Fallback xmlns="" xmlns:c="http://schemas.openxmlformats.org/drawingml/2006/chart" xmlns:dgm="http://schemas.openxmlformats.org/drawingml/2006/diagram" xmlns:dsp="http://schemas.microsoft.com/office/drawing/2008/diagram">
       <p:transition/>
     </mc:Fallback>
   </mc:AlternateContent>
@@ -13695,7 +13503,7 @@
     <mc:Choice Requires="p14">
       <p:transition/>
     </mc:Choice>
-    <mc:Fallback xmlns:dsp="http://schemas.microsoft.com/office/drawing/2008/diagram" xmlns:dgm="http://schemas.openxmlformats.org/drawingml/2006/diagram" xmlns:c="http://schemas.openxmlformats.org/drawingml/2006/chart" xmlns="">
+    <mc:Fallback xmlns="" xmlns:c="http://schemas.openxmlformats.org/drawingml/2006/chart" xmlns:dgm="http://schemas.openxmlformats.org/drawingml/2006/diagram" xmlns:dsp="http://schemas.microsoft.com/office/drawing/2008/diagram">
       <p:transition/>
     </mc:Fallback>
   </mc:AlternateContent>
@@ -15355,7 +15163,7 @@
     <mc:Choice Requires="p14">
       <p:transition/>
     </mc:Choice>
-    <mc:Fallback xmlns:dsp="http://schemas.microsoft.com/office/drawing/2008/diagram" xmlns:dgm="http://schemas.openxmlformats.org/drawingml/2006/diagram" xmlns:c="http://schemas.openxmlformats.org/drawingml/2006/chart" xmlns="">
+    <mc:Fallback xmlns="" xmlns:c="http://schemas.openxmlformats.org/drawingml/2006/chart" xmlns:dgm="http://schemas.openxmlformats.org/drawingml/2006/diagram" xmlns:dsp="http://schemas.microsoft.com/office/drawing/2008/diagram">
       <p:transition/>
     </mc:Fallback>
   </mc:AlternateContent>
@@ -16293,7 +16101,7 @@
     <mc:Choice Requires="p14">
       <p:transition/>
     </mc:Choice>
-    <mc:Fallback xmlns:dsp="http://schemas.microsoft.com/office/drawing/2008/diagram" xmlns:dgm="http://schemas.openxmlformats.org/drawingml/2006/diagram" xmlns:c="http://schemas.openxmlformats.org/drawingml/2006/chart" xmlns="">
+    <mc:Fallback xmlns="" xmlns:c="http://schemas.openxmlformats.org/drawingml/2006/chart" xmlns:dgm="http://schemas.openxmlformats.org/drawingml/2006/diagram" xmlns:dsp="http://schemas.microsoft.com/office/drawing/2008/diagram">
       <p:transition/>
     </mc:Fallback>
   </mc:AlternateContent>
@@ -18205,7 +18013,7 @@
     <mc:Choice Requires="p14">
       <p:transition/>
     </mc:Choice>
-    <mc:Fallback xmlns:dsp="http://schemas.microsoft.com/office/drawing/2008/diagram" xmlns:dgm="http://schemas.openxmlformats.org/drawingml/2006/diagram" xmlns:c="http://schemas.openxmlformats.org/drawingml/2006/chart" xmlns="">
+    <mc:Fallback xmlns="" xmlns:c="http://schemas.openxmlformats.org/drawingml/2006/chart" xmlns:dgm="http://schemas.openxmlformats.org/drawingml/2006/diagram" xmlns:dsp="http://schemas.microsoft.com/office/drawing/2008/diagram">
       <p:transition/>
     </mc:Fallback>
   </mc:AlternateContent>
